--- a/slides.pptx
+++ b/slides.pptx
@@ -17056,9 +17056,7 @@
             <a:r>
               <a:rPr lang="en-US" sz="2400" dirty="0">
                 <a:solidFill>
-                  <a:schemeClr val="bg1">
-                    <a:lumMod val="50000"/>
-                  </a:schemeClr>
+                  <a:srgbClr val="384AF0"/>
                 </a:solidFill>
                 <a:latin typeface="Arial" panose="020B0604020202020204" pitchFamily="34" charset="0"/>
                 <a:cs typeface="Arial" panose="020B0604020202020204" pitchFamily="34" charset="0"/>
@@ -19605,7 +19603,7 @@
                   <a:latin typeface="Arial" panose="020B0604020202020204" pitchFamily="34" charset="0"/>
                   <a:cs typeface="Arial" panose="020B0604020202020204" pitchFamily="34" charset="0"/>
                 </a:rPr>
-                <a:t>encrypt(                            )( )</a:t>
+                <a:t>encrypt(                           )( )</a:t>
               </a:r>
             </a:p>
           </p:txBody>

--- a/slides.pptx
+++ b/slides.pptx
@@ -212,7 +212,7 @@
           <a:p>
             <a:fld id="{26D0E1A5-C12F-4FEA-A3E2-2BFA8609F772}" type="datetimeFigureOut">
               <a:rPr lang="en-US" smtClean="0"/>
-              <a:t>2/22/2019</a:t>
+              <a:t>2/23/2019</a:t>
             </a:fld>
             <a:endParaRPr lang="en-US"/>
           </a:p>
@@ -626,7 +626,7 @@
           <a:p>
             <a:fld id="{6314D2FE-114A-4D23-AE12-41A5601EAB44}" type="datetime1">
               <a:rPr lang="en-US" smtClean="0"/>
-              <a:t>2/22/2019</a:t>
+              <a:t>2/23/2019</a:t>
             </a:fld>
             <a:endParaRPr lang="en-US"/>
           </a:p>
@@ -824,7 +824,7 @@
           <a:p>
             <a:fld id="{11EE9347-939D-4B42-9010-B80D6E930ADD}" type="datetime1">
               <a:rPr lang="en-US" smtClean="0"/>
-              <a:t>2/22/2019</a:t>
+              <a:t>2/23/2019</a:t>
             </a:fld>
             <a:endParaRPr lang="en-US"/>
           </a:p>
@@ -1032,7 +1032,7 @@
           <a:p>
             <a:fld id="{4E980383-AF47-49D1-91F7-821472B9DCA8}" type="datetime1">
               <a:rPr lang="en-US" smtClean="0"/>
-              <a:t>2/22/2019</a:t>
+              <a:t>2/23/2019</a:t>
             </a:fld>
             <a:endParaRPr lang="en-US"/>
           </a:p>
@@ -1230,7 +1230,7 @@
           <a:p>
             <a:fld id="{52B2A66F-2201-4706-BF66-80157B4DAC10}" type="datetime1">
               <a:rPr lang="en-US" smtClean="0"/>
-              <a:t>2/22/2019</a:t>
+              <a:t>2/23/2019</a:t>
             </a:fld>
             <a:endParaRPr lang="en-US"/>
           </a:p>
@@ -1505,7 +1505,7 @@
           <a:p>
             <a:fld id="{4B7F185B-7C6F-4B27-B82D-AC2511B3334B}" type="datetime1">
               <a:rPr lang="en-US" smtClean="0"/>
-              <a:t>2/22/2019</a:t>
+              <a:t>2/23/2019</a:t>
             </a:fld>
             <a:endParaRPr lang="en-US"/>
           </a:p>
@@ -1770,7 +1770,7 @@
           <a:p>
             <a:fld id="{1314EB08-F595-4A99-9633-6944941E4FD8}" type="datetime1">
               <a:rPr lang="en-US" smtClean="0"/>
-              <a:t>2/22/2019</a:t>
+              <a:t>2/23/2019</a:t>
             </a:fld>
             <a:endParaRPr lang="en-US"/>
           </a:p>
@@ -2182,7 +2182,7 @@
           <a:p>
             <a:fld id="{20481EAA-F659-4A9C-AD08-185921CB0E1F}" type="datetime1">
               <a:rPr lang="en-US" smtClean="0"/>
-              <a:t>2/22/2019</a:t>
+              <a:t>2/23/2019</a:t>
             </a:fld>
             <a:endParaRPr lang="en-US"/>
           </a:p>
@@ -2323,7 +2323,7 @@
           <a:p>
             <a:fld id="{B251A762-39C4-4F1E-A807-F0E11F6C193F}" type="datetime1">
               <a:rPr lang="en-US" smtClean="0"/>
-              <a:t>2/22/2019</a:t>
+              <a:t>2/23/2019</a:t>
             </a:fld>
             <a:endParaRPr lang="en-US"/>
           </a:p>
@@ -2436,7 +2436,7 @@
           <a:p>
             <a:fld id="{35D1B210-D8DD-457D-B433-0BE742FA06B5}" type="datetime1">
               <a:rPr lang="en-US" smtClean="0"/>
-              <a:t>2/22/2019</a:t>
+              <a:t>2/23/2019</a:t>
             </a:fld>
             <a:endParaRPr lang="en-US"/>
           </a:p>
@@ -2747,7 +2747,7 @@
           <a:p>
             <a:fld id="{D2172C7D-37AD-44CB-8126-CD31F6A4895A}" type="datetime1">
               <a:rPr lang="en-US" smtClean="0"/>
-              <a:t>2/22/2019</a:t>
+              <a:t>2/23/2019</a:t>
             </a:fld>
             <a:endParaRPr lang="en-US"/>
           </a:p>
@@ -3035,7 +3035,7 @@
           <a:p>
             <a:fld id="{8CF68363-D686-45C3-9660-54C83359F91D}" type="datetime1">
               <a:rPr lang="en-US" smtClean="0"/>
-              <a:t>2/22/2019</a:t>
+              <a:t>2/23/2019</a:t>
             </a:fld>
             <a:endParaRPr lang="en-US"/>
           </a:p>
@@ -3276,7 +3276,7 @@
           <a:p>
             <a:fld id="{DCBCE2F9-B4C3-49A6-829C-D06256DC610A}" type="datetime1">
               <a:rPr lang="en-US" smtClean="0"/>
-              <a:t>2/22/2019</a:t>
+              <a:t>2/23/2019</a:t>
             </a:fld>
             <a:endParaRPr lang="en-US"/>
           </a:p>
@@ -17335,7 +17335,7 @@
         <p:spPr>
           <a:xfrm>
             <a:off x="3312544" y="2067585"/>
-            <a:ext cx="4976042" cy="461665"/>
+            <a:ext cx="7356501" cy="461665"/>
           </a:xfrm>
           <a:prstGeom prst="rect">
             <a:avLst/>
@@ -17357,7 +17357,7 @@
                 <a:latin typeface="Arial" panose="020B0604020202020204" pitchFamily="34" charset="0"/>
                 <a:cs typeface="Arial" panose="020B0604020202020204" pitchFamily="34" charset="0"/>
               </a:rPr>
-              <a:t>take a picture if no QR code reader</a:t>
+              <a:t>take a picture if no QR code reader like Google Lens</a:t>
             </a:r>
           </a:p>
         </p:txBody>
@@ -22820,13 +22820,10 @@
               </a:rPr>
               <a:t>private key</a:t>
             </a:r>
-            <a:r>
-              <a:rPr lang="en-US" sz="2400" dirty="0">
-                <a:latin typeface="Arial" panose="020B0604020202020204" pitchFamily="34" charset="0"/>
-                <a:cs typeface="Arial" panose="020B0604020202020204" pitchFamily="34" charset="0"/>
-              </a:rPr>
-              <a:t>:</a:t>
-            </a:r>
+            <a:endParaRPr lang="en-US" sz="2400" dirty="0">
+              <a:latin typeface="Arial" panose="020B0604020202020204" pitchFamily="34" charset="0"/>
+              <a:cs typeface="Arial" panose="020B0604020202020204" pitchFamily="34" charset="0"/>
+            </a:endParaRPr>
           </a:p>
         </p:txBody>
       </p:sp>

--- a/slides.pptx
+++ b/slides.pptx
@@ -212,7 +212,7 @@
           <a:p>
             <a:fld id="{26D0E1A5-C12F-4FEA-A3E2-2BFA8609F772}" type="datetimeFigureOut">
               <a:rPr lang="en-US" smtClean="0"/>
-              <a:t>2/23/2019</a:t>
+              <a:t>3/22/2019</a:t>
             </a:fld>
             <a:endParaRPr lang="en-US"/>
           </a:p>
@@ -626,7 +626,7 @@
           <a:p>
             <a:fld id="{6314D2FE-114A-4D23-AE12-41A5601EAB44}" type="datetime1">
               <a:rPr lang="en-US" smtClean="0"/>
-              <a:t>2/23/2019</a:t>
+              <a:t>3/22/2019</a:t>
             </a:fld>
             <a:endParaRPr lang="en-US"/>
           </a:p>
@@ -824,7 +824,7 @@
           <a:p>
             <a:fld id="{11EE9347-939D-4B42-9010-B80D6E930ADD}" type="datetime1">
               <a:rPr lang="en-US" smtClean="0"/>
-              <a:t>2/23/2019</a:t>
+              <a:t>3/22/2019</a:t>
             </a:fld>
             <a:endParaRPr lang="en-US"/>
           </a:p>
@@ -1032,7 +1032,7 @@
           <a:p>
             <a:fld id="{4E980383-AF47-49D1-91F7-821472B9DCA8}" type="datetime1">
               <a:rPr lang="en-US" smtClean="0"/>
-              <a:t>2/23/2019</a:t>
+              <a:t>3/22/2019</a:t>
             </a:fld>
             <a:endParaRPr lang="en-US"/>
           </a:p>
@@ -1230,7 +1230,7 @@
           <a:p>
             <a:fld id="{52B2A66F-2201-4706-BF66-80157B4DAC10}" type="datetime1">
               <a:rPr lang="en-US" smtClean="0"/>
-              <a:t>2/23/2019</a:t>
+              <a:t>3/22/2019</a:t>
             </a:fld>
             <a:endParaRPr lang="en-US"/>
           </a:p>
@@ -1505,7 +1505,7 @@
           <a:p>
             <a:fld id="{4B7F185B-7C6F-4B27-B82D-AC2511B3334B}" type="datetime1">
               <a:rPr lang="en-US" smtClean="0"/>
-              <a:t>2/23/2019</a:t>
+              <a:t>3/22/2019</a:t>
             </a:fld>
             <a:endParaRPr lang="en-US"/>
           </a:p>
@@ -1770,7 +1770,7 @@
           <a:p>
             <a:fld id="{1314EB08-F595-4A99-9633-6944941E4FD8}" type="datetime1">
               <a:rPr lang="en-US" smtClean="0"/>
-              <a:t>2/23/2019</a:t>
+              <a:t>3/22/2019</a:t>
             </a:fld>
             <a:endParaRPr lang="en-US"/>
           </a:p>
@@ -2182,7 +2182,7 @@
           <a:p>
             <a:fld id="{20481EAA-F659-4A9C-AD08-185921CB0E1F}" type="datetime1">
               <a:rPr lang="en-US" smtClean="0"/>
-              <a:t>2/23/2019</a:t>
+              <a:t>3/22/2019</a:t>
             </a:fld>
             <a:endParaRPr lang="en-US"/>
           </a:p>
@@ -2323,7 +2323,7 @@
           <a:p>
             <a:fld id="{B251A762-39C4-4F1E-A807-F0E11F6C193F}" type="datetime1">
               <a:rPr lang="en-US" smtClean="0"/>
-              <a:t>2/23/2019</a:t>
+              <a:t>3/22/2019</a:t>
             </a:fld>
             <a:endParaRPr lang="en-US"/>
           </a:p>
@@ -2436,7 +2436,7 @@
           <a:p>
             <a:fld id="{35D1B210-D8DD-457D-B433-0BE742FA06B5}" type="datetime1">
               <a:rPr lang="en-US" smtClean="0"/>
-              <a:t>2/23/2019</a:t>
+              <a:t>3/22/2019</a:t>
             </a:fld>
             <a:endParaRPr lang="en-US"/>
           </a:p>
@@ -2747,7 +2747,7 @@
           <a:p>
             <a:fld id="{D2172C7D-37AD-44CB-8126-CD31F6A4895A}" type="datetime1">
               <a:rPr lang="en-US" smtClean="0"/>
-              <a:t>2/23/2019</a:t>
+              <a:t>3/22/2019</a:t>
             </a:fld>
             <a:endParaRPr lang="en-US"/>
           </a:p>
@@ -3035,7 +3035,7 @@
           <a:p>
             <a:fld id="{8CF68363-D686-45C3-9660-54C83359F91D}" type="datetime1">
               <a:rPr lang="en-US" smtClean="0"/>
-              <a:t>2/23/2019</a:t>
+              <a:t>3/22/2019</a:t>
             </a:fld>
             <a:endParaRPr lang="en-US"/>
           </a:p>
@@ -3276,7 +3276,7 @@
           <a:p>
             <a:fld id="{DCBCE2F9-B4C3-49A6-829C-D06256DC610A}" type="datetime1">
               <a:rPr lang="en-US" smtClean="0"/>
-              <a:t>2/23/2019</a:t>
+              <a:t>3/22/2019</a:t>
             </a:fld>
             <a:endParaRPr lang="en-US"/>
           </a:p>
@@ -3842,7 +3842,7 @@
         <p:spPr>
           <a:xfrm>
             <a:off x="634851" y="5250827"/>
-            <a:ext cx="2597186" cy="584775"/>
+            <a:ext cx="3029997" cy="584775"/>
           </a:xfrm>
           <a:prstGeom prst="rect">
             <a:avLst/>
@@ -3863,7 +3863,7 @@
                 <a:latin typeface="Arial" panose="020B0604020202020204" pitchFamily="34" charset="0"/>
                 <a:cs typeface="Arial" panose="020B0604020202020204" pitchFamily="34" charset="0"/>
               </a:rPr>
-              <a:t>Feb 28, 2019</a:t>
+              <a:t>March 27, 2019</a:t>
             </a:r>
           </a:p>
         </p:txBody>
